--- a/Topic.pptx
+++ b/Topic.pptx
@@ -5,16 +5,16 @@
     <p:sldMasterId id="2147483648" r:id="rId1"/>
   </p:sldMasterIdLst>
   <p:sldIdLst>
-    <p:sldId id="256" r:id="rId2"/>
-    <p:sldId id="263" r:id="rId3"/>
-    <p:sldId id="257" r:id="rId4"/>
-    <p:sldId id="258" r:id="rId5"/>
-    <p:sldId id="259" r:id="rId6"/>
-    <p:sldId id="265" r:id="rId7"/>
-    <p:sldId id="260" r:id="rId8"/>
-    <p:sldId id="261" r:id="rId9"/>
-    <p:sldId id="264" r:id="rId10"/>
-    <p:sldId id="262" r:id="rId11"/>
+    <p:sldId id="256" r:id="rId3"/>
+    <p:sldId id="263" r:id="rId4"/>
+    <p:sldId id="257" r:id="rId5"/>
+    <p:sldId id="258" r:id="rId6"/>
+    <p:sldId id="259" r:id="rId7"/>
+    <p:sldId id="265" r:id="rId8"/>
+    <p:sldId id="260" r:id="rId9"/>
+    <p:sldId id="261" r:id="rId10"/>
+    <p:sldId id="264" r:id="rId11"/>
+    <p:sldId id="262" r:id="rId12"/>
   </p:sldIdLst>
   <p:sldSz cx="12192000" cy="6858000"/>
   <p:notesSz cx="6858000" cy="9144000"/>
@@ -113,16 +113,11 @@
       </a:defRPr>
     </a:lvl9pPr>
   </p:defaultTextStyle>
-  <p:extLst>
-    <p:ext uri="{EFAFB233-063F-42B5-8137-9DF3F51BA10A}">
-      <p15:sldGuideLst xmlns:p15="http://schemas.microsoft.com/office/powerpoint/2012/main"/>
-    </p:ext>
-  </p:extLst>
 </p:presentation>
 </file>
 
 <file path=ppt/slideLayouts/slideLayout1.xml><?xml version="1.0" encoding="utf-8"?>
-<p:sldLayout xmlns:a="http://schemas.openxmlformats.org/drawingml/2006/main" xmlns:r="http://schemas.openxmlformats.org/officeDocument/2006/relationships" xmlns:p="http://schemas.openxmlformats.org/presentationml/2006/main" showMasterSp="0" type="title" preserve="1">
+<p:sldLayout xmlns:a="http://schemas.openxmlformats.org/drawingml/2006/main" xmlns:r="http://schemas.openxmlformats.org/officeDocument/2006/relationships" xmlns:p="http://schemas.openxmlformats.org/presentationml/2006/main" type="title" preserve="1" showMasterSp="0">
   <p:cSld name="Title Slide">
     <p:spTree>
       <p:nvGrpSpPr>
@@ -233,7 +228,9 @@
               </a:extLst>
             </a:blip>
             <a:srcRect/>
-            <a:stretch/>
+            <a:stretch>
+              <a:fillRect/>
+            </a:stretch>
           </p:blipFill>
           <p:spPr>
             <a:xfrm>
@@ -262,7 +259,9 @@
               </a:extLst>
             </a:blip>
             <a:srcRect/>
-            <a:stretch/>
+            <a:stretch>
+              <a:fillRect/>
+            </a:stretch>
           </p:blipFill>
           <p:spPr>
             <a:xfrm>
@@ -452,8 +451,6 @@
           <a:p>
             <a:fld id="{B61BEF0D-F0BB-DE4B-95CE-6DB70DBA9567}" type="datetimeFigureOut">
               <a:rPr lang="en-US" dirty="0"/>
-              <a:pPr/>
-              <a:t>9/24/2023</a:t>
             </a:fld>
             <a:endParaRPr lang="en-US" dirty="0"/>
           </a:p>
@@ -505,8 +502,6 @@
           <a:p>
             <a:fld id="{D57F1E4F-1CFF-5643-939E-217C01CDF565}" type="slidenum">
               <a:rPr lang="en-US" dirty="0"/>
-              <a:pPr/>
-              <a:t>‹#›</a:t>
             </a:fld>
             <a:endParaRPr lang="en-US" dirty="0"/>
           </a:p>
@@ -753,6 +748,7 @@
               <a:rPr lang="en-US"/>
               <a:t>Click to edit Master text styles</a:t>
             </a:r>
+            <a:endParaRPr lang="en-US"/>
           </a:p>
         </p:txBody>
       </p:sp>
@@ -773,8 +769,6 @@
           <a:p>
             <a:fld id="{B61BEF0D-F0BB-DE4B-95CE-6DB70DBA9567}" type="datetimeFigureOut">
               <a:rPr lang="en-US" dirty="0"/>
-              <a:pPr/>
-              <a:t>9/24/2023</a:t>
             </a:fld>
             <a:endParaRPr lang="en-US" dirty="0"/>
           </a:p>
@@ -816,8 +810,6 @@
           <a:p>
             <a:fld id="{D57F1E4F-1CFF-5643-939E-217C01CDF565}" type="slidenum">
               <a:rPr lang="en-US" dirty="0"/>
-              <a:pPr/>
-              <a:t>‹#›</a:t>
             </a:fld>
             <a:endParaRPr lang="en-US" dirty="0"/>
           </a:p>
@@ -998,6 +990,7 @@
               <a:rPr lang="en-US"/>
               <a:t>Click to edit Master text styles</a:t>
             </a:r>
+            <a:endParaRPr lang="en-US"/>
           </a:p>
         </p:txBody>
       </p:sp>
@@ -1018,8 +1011,6 @@
           <a:p>
             <a:fld id="{B61BEF0D-F0BB-DE4B-95CE-6DB70DBA9567}" type="datetimeFigureOut">
               <a:rPr lang="en-US" dirty="0"/>
-              <a:pPr/>
-              <a:t>9/24/2023</a:t>
             </a:fld>
             <a:endParaRPr lang="en-US" dirty="0"/>
           </a:p>
@@ -1061,8 +1052,6 @@
           <a:p>
             <a:fld id="{D57F1E4F-1CFF-5643-939E-217C01CDF565}" type="slidenum">
               <a:rPr lang="en-US" dirty="0"/>
-              <a:pPr/>
-              <a:t>‹#›</a:t>
             </a:fld>
             <a:endParaRPr lang="en-US" dirty="0"/>
           </a:p>
@@ -1215,6 +1204,7 @@
               <a:rPr lang="en-US"/>
               <a:t>Click to edit Master text styles</a:t>
             </a:r>
+            <a:endParaRPr lang="en-US"/>
           </a:p>
         </p:txBody>
       </p:sp>
@@ -1334,6 +1324,7 @@
               <a:rPr lang="en-US"/>
               <a:t>Click to edit Master text styles</a:t>
             </a:r>
+            <a:endParaRPr lang="en-US"/>
           </a:p>
         </p:txBody>
       </p:sp>
@@ -1354,8 +1345,6 @@
           <a:p>
             <a:fld id="{B61BEF0D-F0BB-DE4B-95CE-6DB70DBA9567}" type="datetimeFigureOut">
               <a:rPr lang="en-US" dirty="0"/>
-              <a:pPr/>
-              <a:t>9/24/2023</a:t>
             </a:fld>
             <a:endParaRPr lang="en-US" dirty="0"/>
           </a:p>
@@ -1397,8 +1386,6 @@
           <a:p>
             <a:fld id="{D57F1E4F-1CFF-5643-939E-217C01CDF565}" type="slidenum">
               <a:rPr lang="en-US" dirty="0"/>
-              <a:pPr/>
-              <a:t>‹#›</a:t>
             </a:fld>
             <a:endParaRPr lang="en-US" dirty="0"/>
           </a:p>
@@ -1435,6 +1422,12 @@
               </a:rPr>
               <a:t>“</a:t>
             </a:r>
+            <a:endParaRPr lang="en-US" sz="8000" dirty="0">
+              <a:solidFill>
+                <a:schemeClr val="tx1"/>
+              </a:solidFill>
+              <a:effectLst/>
+            </a:endParaRPr>
           </a:p>
         </p:txBody>
       </p:sp>
@@ -1469,6 +1462,12 @@
               </a:rPr>
               <a:t>”</a:t>
             </a:r>
+            <a:endParaRPr lang="en-US" sz="8000" dirty="0">
+              <a:solidFill>
+                <a:schemeClr val="tx1"/>
+              </a:solidFill>
+              <a:effectLst/>
+            </a:endParaRPr>
           </a:p>
         </p:txBody>
       </p:sp>
@@ -1678,6 +1677,7 @@
               <a:rPr lang="en-US"/>
               <a:t>Click to edit Master text styles</a:t>
             </a:r>
+            <a:endParaRPr lang="en-US"/>
           </a:p>
         </p:txBody>
       </p:sp>
@@ -1698,8 +1698,6 @@
           <a:p>
             <a:fld id="{B61BEF0D-F0BB-DE4B-95CE-6DB70DBA9567}" type="datetimeFigureOut">
               <a:rPr lang="en-US" dirty="0"/>
-              <a:pPr/>
-              <a:t>9/24/2023</a:t>
             </a:fld>
             <a:endParaRPr lang="en-US" dirty="0"/>
           </a:p>
@@ -1741,8 +1739,6 @@
           <a:p>
             <a:fld id="{D57F1E4F-1CFF-5643-939E-217C01CDF565}" type="slidenum">
               <a:rPr lang="en-US" dirty="0"/>
-              <a:pPr/>
-              <a:t>‹#›</a:t>
             </a:fld>
             <a:endParaRPr lang="en-US" dirty="0"/>
           </a:p>
@@ -1930,6 +1926,7 @@
               <a:rPr lang="en-US"/>
               <a:t>Click to edit Master text styles</a:t>
             </a:r>
+            <a:endParaRPr lang="en-US"/>
           </a:p>
         </p:txBody>
       </p:sp>
@@ -2049,6 +2046,7 @@
               <a:rPr lang="en-US"/>
               <a:t>Click to edit Master text styles</a:t>
             </a:r>
+            <a:endParaRPr lang="en-US"/>
           </a:p>
         </p:txBody>
       </p:sp>
@@ -2069,8 +2067,6 @@
           <a:p>
             <a:fld id="{B61BEF0D-F0BB-DE4B-95CE-6DB70DBA9567}" type="datetimeFigureOut">
               <a:rPr lang="en-US" dirty="0"/>
-              <a:pPr/>
-              <a:t>9/24/2023</a:t>
             </a:fld>
             <a:endParaRPr lang="en-US" dirty="0"/>
           </a:p>
@@ -2112,8 +2108,6 @@
           <a:p>
             <a:fld id="{D57F1E4F-1CFF-5643-939E-217C01CDF565}" type="slidenum">
               <a:rPr lang="en-US" dirty="0"/>
-              <a:pPr/>
-              <a:t>‹#›</a:t>
             </a:fld>
             <a:endParaRPr lang="en-US" dirty="0"/>
           </a:p>
@@ -2150,6 +2144,12 @@
               </a:rPr>
               <a:t>“</a:t>
             </a:r>
+            <a:endParaRPr lang="en-US" sz="8000" dirty="0">
+              <a:solidFill>
+                <a:schemeClr val="tx1"/>
+              </a:solidFill>
+              <a:effectLst/>
+            </a:endParaRPr>
           </a:p>
         </p:txBody>
       </p:sp>
@@ -2184,6 +2184,12 @@
               </a:rPr>
               <a:t>”</a:t>
             </a:r>
+            <a:endParaRPr lang="en-US" sz="8000" dirty="0">
+              <a:solidFill>
+                <a:schemeClr val="tx1"/>
+              </a:solidFill>
+              <a:effectLst/>
+            </a:endParaRPr>
           </a:p>
         </p:txBody>
       </p:sp>
@@ -2397,6 +2403,7 @@
               <a:rPr lang="en-US"/>
               <a:t>Click to edit Master text styles</a:t>
             </a:r>
+            <a:endParaRPr lang="en-US"/>
           </a:p>
         </p:txBody>
       </p:sp>
@@ -2516,6 +2523,7 @@
               <a:rPr lang="en-US"/>
               <a:t>Click to edit Master text styles</a:t>
             </a:r>
+            <a:endParaRPr lang="en-US"/>
           </a:p>
         </p:txBody>
       </p:sp>
@@ -2536,8 +2544,6 @@
           <a:p>
             <a:fld id="{B61BEF0D-F0BB-DE4B-95CE-6DB70DBA9567}" type="datetimeFigureOut">
               <a:rPr lang="en-US" dirty="0"/>
-              <a:pPr/>
-              <a:t>9/24/2023</a:t>
             </a:fld>
             <a:endParaRPr lang="en-US" dirty="0"/>
           </a:p>
@@ -2579,8 +2585,6 @@
           <a:p>
             <a:fld id="{D57F1E4F-1CFF-5643-939E-217C01CDF565}" type="slidenum">
               <a:rPr lang="en-US" dirty="0"/>
-              <a:pPr/>
-              <a:t>‹#›</a:t>
             </a:fld>
             <a:endParaRPr lang="en-US" dirty="0"/>
           </a:p>
@@ -2689,6 +2693,7 @@
               <a:rPr lang="en-US"/>
               <a:t>Click to edit Master text styles</a:t>
             </a:r>
+            <a:endParaRPr lang="en-US"/>
           </a:p>
           <a:p>
             <a:pPr lvl="1"/>
@@ -2696,6 +2701,7 @@
               <a:rPr lang="en-US"/>
               <a:t>Second level</a:t>
             </a:r>
+            <a:endParaRPr lang="en-US"/>
           </a:p>
           <a:p>
             <a:pPr lvl="2"/>
@@ -2703,6 +2709,7 @@
               <a:rPr lang="en-US"/>
               <a:t>Third level</a:t>
             </a:r>
+            <a:endParaRPr lang="en-US"/>
           </a:p>
           <a:p>
             <a:pPr lvl="3"/>
@@ -2710,6 +2717,7 @@
               <a:rPr lang="en-US"/>
               <a:t>Fourth level</a:t>
             </a:r>
+            <a:endParaRPr lang="en-US"/>
           </a:p>
           <a:p>
             <a:pPr lvl="4"/>
@@ -2738,8 +2746,6 @@
           <a:p>
             <a:fld id="{B61BEF0D-F0BB-DE4B-95CE-6DB70DBA9567}" type="datetimeFigureOut">
               <a:rPr lang="en-US" dirty="0"/>
-              <a:pPr/>
-              <a:t>9/24/2023</a:t>
             </a:fld>
             <a:endParaRPr lang="en-US" dirty="0"/>
           </a:p>
@@ -2781,8 +2787,6 @@
           <a:p>
             <a:fld id="{D57F1E4F-1CFF-5643-939E-217C01CDF565}" type="slidenum">
               <a:rPr lang="en-US" dirty="0"/>
-              <a:pPr/>
-              <a:t>‹#›</a:t>
             </a:fld>
             <a:endParaRPr lang="en-US" dirty="0"/>
           </a:p>
@@ -2897,6 +2901,7 @@
               <a:rPr lang="en-US"/>
               <a:t>Click to edit Master text styles</a:t>
             </a:r>
+            <a:endParaRPr lang="en-US"/>
           </a:p>
           <a:p>
             <a:pPr lvl="1"/>
@@ -2904,6 +2909,7 @@
               <a:rPr lang="en-US"/>
               <a:t>Second level</a:t>
             </a:r>
+            <a:endParaRPr lang="en-US"/>
           </a:p>
           <a:p>
             <a:pPr lvl="2"/>
@@ -2911,6 +2917,7 @@
               <a:rPr lang="en-US"/>
               <a:t>Third level</a:t>
             </a:r>
+            <a:endParaRPr lang="en-US"/>
           </a:p>
           <a:p>
             <a:pPr lvl="3"/>
@@ -2918,6 +2925,7 @@
               <a:rPr lang="en-US"/>
               <a:t>Fourth level</a:t>
             </a:r>
+            <a:endParaRPr lang="en-US"/>
           </a:p>
           <a:p>
             <a:pPr lvl="4"/>
@@ -2946,8 +2954,6 @@
           <a:p>
             <a:fld id="{B61BEF0D-F0BB-DE4B-95CE-6DB70DBA9567}" type="datetimeFigureOut">
               <a:rPr lang="en-US" dirty="0"/>
-              <a:pPr/>
-              <a:t>9/24/2023</a:t>
             </a:fld>
             <a:endParaRPr lang="en-US" dirty="0"/>
           </a:p>
@@ -2989,8 +2995,6 @@
           <a:p>
             <a:fld id="{D57F1E4F-1CFF-5643-939E-217C01CDF565}" type="slidenum">
               <a:rPr lang="en-US" dirty="0"/>
-              <a:pPr/>
-              <a:t>‹#›</a:t>
             </a:fld>
             <a:endParaRPr lang="en-US" dirty="0"/>
           </a:p>
@@ -3126,6 +3130,7 @@
               <a:rPr lang="en-US"/>
               <a:t>Click to edit Master text styles</a:t>
             </a:r>
+            <a:endParaRPr lang="en-US"/>
           </a:p>
           <a:p>
             <a:pPr lvl="1"/>
@@ -3133,6 +3138,7 @@
               <a:rPr lang="en-US"/>
               <a:t>Second level</a:t>
             </a:r>
+            <a:endParaRPr lang="en-US"/>
           </a:p>
           <a:p>
             <a:pPr lvl="2"/>
@@ -3140,6 +3146,7 @@
               <a:rPr lang="en-US"/>
               <a:t>Third level</a:t>
             </a:r>
+            <a:endParaRPr lang="en-US"/>
           </a:p>
           <a:p>
             <a:pPr lvl="3"/>
@@ -3147,6 +3154,7 @@
               <a:rPr lang="en-US"/>
               <a:t>Fourth level</a:t>
             </a:r>
+            <a:endParaRPr lang="en-US"/>
           </a:p>
           <a:p>
             <a:pPr lvl="4"/>
@@ -3175,7 +3183,6 @@
           <a:p>
             <a:fld id="{52647F38-B617-4D2F-AE0A-013F0C4D2C57}" type="datetimeFigureOut">
               <a:rPr lang="en-US" dirty="0"/>
-              <a:t>9/24/2023</a:t>
             </a:fld>
             <a:endParaRPr lang="en-US" dirty="0"/>
           </a:p>
@@ -3217,7 +3224,6 @@
           <a:p>
             <a:fld id="{E97799C9-84D9-46D2-A11E-BCF8A720529D}" type="slidenum">
               <a:rPr lang="en-US" dirty="0"/>
-              <a:t>‹#›</a:t>
             </a:fld>
             <a:endParaRPr lang="en-US" dirty="0"/>
           </a:p>
@@ -3398,6 +3404,7 @@
               <a:rPr lang="en-US"/>
               <a:t>Click to edit Master text styles</a:t>
             </a:r>
+            <a:endParaRPr lang="en-US"/>
           </a:p>
         </p:txBody>
       </p:sp>
@@ -3418,8 +3425,6 @@
           <a:p>
             <a:fld id="{B61BEF0D-F0BB-DE4B-95CE-6DB70DBA9567}" type="datetimeFigureOut">
               <a:rPr lang="en-US" dirty="0"/>
-              <a:pPr/>
-              <a:t>9/24/2023</a:t>
             </a:fld>
             <a:endParaRPr lang="en-US" dirty="0"/>
           </a:p>
@@ -3461,8 +3466,6 @@
           <a:p>
             <a:fld id="{D57F1E4F-1CFF-5643-939E-217C01CDF565}" type="slidenum">
               <a:rPr lang="en-US" dirty="0"/>
-              <a:pPr/>
-              <a:t>‹#›</a:t>
             </a:fld>
             <a:endParaRPr lang="en-US" dirty="0"/>
           </a:p>
@@ -3605,6 +3608,7 @@
               <a:rPr lang="en-US"/>
               <a:t>Click to edit Master text styles</a:t>
             </a:r>
+            <a:endParaRPr lang="en-US"/>
           </a:p>
           <a:p>
             <a:pPr lvl="1"/>
@@ -3612,6 +3616,7 @@
               <a:rPr lang="en-US"/>
               <a:t>Second level</a:t>
             </a:r>
+            <a:endParaRPr lang="en-US"/>
           </a:p>
           <a:p>
             <a:pPr lvl="2"/>
@@ -3619,6 +3624,7 @@
               <a:rPr lang="en-US"/>
               <a:t>Third level</a:t>
             </a:r>
+            <a:endParaRPr lang="en-US"/>
           </a:p>
           <a:p>
             <a:pPr lvl="3"/>
@@ -3626,6 +3632,7 @@
               <a:rPr lang="en-US"/>
               <a:t>Fourth level</a:t>
             </a:r>
+            <a:endParaRPr lang="en-US"/>
           </a:p>
           <a:p>
             <a:pPr lvl="4"/>
@@ -3664,6 +3671,7 @@
               <a:rPr lang="en-US"/>
               <a:t>Click to edit Master text styles</a:t>
             </a:r>
+            <a:endParaRPr lang="en-US"/>
           </a:p>
           <a:p>
             <a:pPr lvl="1"/>
@@ -3671,6 +3679,7 @@
               <a:rPr lang="en-US"/>
               <a:t>Second level</a:t>
             </a:r>
+            <a:endParaRPr lang="en-US"/>
           </a:p>
           <a:p>
             <a:pPr lvl="2"/>
@@ -3678,6 +3687,7 @@
               <a:rPr lang="en-US"/>
               <a:t>Third level</a:t>
             </a:r>
+            <a:endParaRPr lang="en-US"/>
           </a:p>
           <a:p>
             <a:pPr lvl="3"/>
@@ -3685,6 +3695,7 @@
               <a:rPr lang="en-US"/>
               <a:t>Fourth level</a:t>
             </a:r>
+            <a:endParaRPr lang="en-US"/>
           </a:p>
           <a:p>
             <a:pPr lvl="4"/>
@@ -3713,7 +3724,6 @@
           <a:p>
             <a:fld id="{05BFA754-D5C3-4E66-96A6-867B257F58DC}" type="datetimeFigureOut">
               <a:rPr lang="en-US" dirty="0"/>
-              <a:t>9/24/2023</a:t>
             </a:fld>
             <a:endParaRPr lang="en-US" dirty="0"/>
           </a:p>
@@ -3755,7 +3765,6 @@
           <a:p>
             <a:fld id="{5D84065D-F351-4B03-BD91-D8A6B8D4B362}" type="slidenum">
               <a:rPr lang="en-US" dirty="0"/>
-              <a:t>‹#›</a:t>
             </a:fld>
             <a:endParaRPr lang="en-US" dirty="0"/>
           </a:p>
@@ -3836,7 +3845,7 @@
           <a:lstStyle>
             <a:lvl1pPr marL="0" indent="0">
               <a:spcBef>
-                <a:spcPts val="672"/>
+                <a:spcPts val="670"/>
               </a:spcBef>
               <a:spcAft>
                 <a:spcPts val="600"/>
@@ -3887,6 +3896,7 @@
               <a:rPr lang="en-US"/>
               <a:t>Click to edit Master text styles</a:t>
             </a:r>
+            <a:endParaRPr lang="en-US"/>
           </a:p>
         </p:txBody>
       </p:sp>
@@ -3917,6 +3927,7 @@
               <a:rPr lang="en-US"/>
               <a:t>Click to edit Master text styles</a:t>
             </a:r>
+            <a:endParaRPr lang="en-US"/>
           </a:p>
           <a:p>
             <a:pPr lvl="1"/>
@@ -3924,6 +3935,7 @@
               <a:rPr lang="en-US"/>
               <a:t>Second level</a:t>
             </a:r>
+            <a:endParaRPr lang="en-US"/>
           </a:p>
           <a:p>
             <a:pPr lvl="2"/>
@@ -3931,6 +3943,7 @@
               <a:rPr lang="en-US"/>
               <a:t>Third level</a:t>
             </a:r>
+            <a:endParaRPr lang="en-US"/>
           </a:p>
           <a:p>
             <a:pPr lvl="3"/>
@@ -3938,6 +3951,7 @@
               <a:rPr lang="en-US"/>
               <a:t>Fourth level</a:t>
             </a:r>
+            <a:endParaRPr lang="en-US"/>
           </a:p>
           <a:p>
             <a:pPr lvl="4"/>
@@ -3972,7 +3986,7 @@
           <a:lstStyle>
             <a:lvl1pPr marL="0" indent="0">
               <a:spcBef>
-                <a:spcPts val="672"/>
+                <a:spcPts val="670"/>
               </a:spcBef>
               <a:spcAft>
                 <a:spcPts val="600"/>
@@ -4023,6 +4037,7 @@
               <a:rPr lang="en-US"/>
               <a:t>Click to edit Master text styles</a:t>
             </a:r>
+            <a:endParaRPr lang="en-US"/>
           </a:p>
         </p:txBody>
       </p:sp>
@@ -4053,6 +4068,7 @@
               <a:rPr lang="en-US"/>
               <a:t>Click to edit Master text styles</a:t>
             </a:r>
+            <a:endParaRPr lang="en-US"/>
           </a:p>
           <a:p>
             <a:pPr lvl="1"/>
@@ -4060,6 +4076,7 @@
               <a:rPr lang="en-US"/>
               <a:t>Second level</a:t>
             </a:r>
+            <a:endParaRPr lang="en-US"/>
           </a:p>
           <a:p>
             <a:pPr lvl="2"/>
@@ -4067,6 +4084,7 @@
               <a:rPr lang="en-US"/>
               <a:t>Third level</a:t>
             </a:r>
+            <a:endParaRPr lang="en-US"/>
           </a:p>
           <a:p>
             <a:pPr lvl="3"/>
@@ -4074,6 +4092,7 @@
               <a:rPr lang="en-US"/>
               <a:t>Fourth level</a:t>
             </a:r>
+            <a:endParaRPr lang="en-US"/>
           </a:p>
           <a:p>
             <a:pPr lvl="4"/>
@@ -4102,8 +4121,6 @@
           <a:p>
             <a:fld id="{B61BEF0D-F0BB-DE4B-95CE-6DB70DBA9567}" type="datetimeFigureOut">
               <a:rPr lang="en-US" dirty="0"/>
-              <a:pPr/>
-              <a:t>9/24/2023</a:t>
             </a:fld>
             <a:endParaRPr lang="en-US" dirty="0"/>
           </a:p>
@@ -4145,8 +4162,6 @@
           <a:p>
             <a:fld id="{D57F1E4F-1CFF-5643-939E-217C01CDF565}" type="slidenum">
               <a:rPr lang="en-US" dirty="0"/>
-              <a:pPr/>
-              <a:t>‹#›</a:t>
             </a:fld>
             <a:endParaRPr lang="en-US" dirty="0"/>
           </a:p>
@@ -4248,8 +4263,6 @@
           <a:p>
             <a:fld id="{B61BEF0D-F0BB-DE4B-95CE-6DB70DBA9567}" type="datetimeFigureOut">
               <a:rPr lang="en-US" dirty="0"/>
-              <a:pPr/>
-              <a:t>9/24/2023</a:t>
             </a:fld>
             <a:endParaRPr lang="en-US" dirty="0"/>
           </a:p>
@@ -4291,8 +4304,6 @@
           <a:p>
             <a:fld id="{D57F1E4F-1CFF-5643-939E-217C01CDF565}" type="slidenum">
               <a:rPr lang="en-US" dirty="0"/>
-              <a:pPr/>
-              <a:t>‹#›</a:t>
             </a:fld>
             <a:endParaRPr lang="en-US" dirty="0"/>
           </a:p>
@@ -4371,8 +4382,6 @@
           <a:p>
             <a:fld id="{B61BEF0D-F0BB-DE4B-95CE-6DB70DBA9567}" type="datetimeFigureOut">
               <a:rPr lang="en-US" dirty="0"/>
-              <a:pPr/>
-              <a:t>9/24/2023</a:t>
             </a:fld>
             <a:endParaRPr lang="en-US" dirty="0"/>
           </a:p>
@@ -4414,8 +4423,6 @@
           <a:p>
             <a:fld id="{D57F1E4F-1CFF-5643-939E-217C01CDF565}" type="slidenum">
               <a:rPr lang="en-US" dirty="0"/>
-              <a:pPr/>
-              <a:t>‹#›</a:t>
             </a:fld>
             <a:endParaRPr lang="en-US" dirty="0"/>
           </a:p>
@@ -4507,6 +4514,7 @@
               <a:rPr lang="en-US"/>
               <a:t>Click to edit Master text styles</a:t>
             </a:r>
+            <a:endParaRPr lang="en-US"/>
           </a:p>
           <a:p>
             <a:pPr lvl="1"/>
@@ -4514,6 +4522,7 @@
               <a:rPr lang="en-US"/>
               <a:t>Second level</a:t>
             </a:r>
+            <a:endParaRPr lang="en-US"/>
           </a:p>
           <a:p>
             <a:pPr lvl="2"/>
@@ -4521,6 +4530,7 @@
               <a:rPr lang="en-US"/>
               <a:t>Third level</a:t>
             </a:r>
+            <a:endParaRPr lang="en-US"/>
           </a:p>
           <a:p>
             <a:pPr lvl="3"/>
@@ -4528,6 +4538,7 @@
               <a:rPr lang="en-US"/>
               <a:t>Fourth level</a:t>
             </a:r>
+            <a:endParaRPr lang="en-US"/>
           </a:p>
           <a:p>
             <a:pPr lvl="4"/>
@@ -4603,6 +4614,7 @@
               <a:rPr lang="en-US"/>
               <a:t>Click to edit Master text styles</a:t>
             </a:r>
+            <a:endParaRPr lang="en-US"/>
           </a:p>
         </p:txBody>
       </p:sp>
@@ -4623,8 +4635,6 @@
           <a:p>
             <a:fld id="{B61BEF0D-F0BB-DE4B-95CE-6DB70DBA9567}" type="datetimeFigureOut">
               <a:rPr lang="en-US" dirty="0"/>
-              <a:pPr/>
-              <a:t>9/24/2023</a:t>
             </a:fld>
             <a:endParaRPr lang="en-US" dirty="0"/>
           </a:p>
@@ -4666,8 +4676,6 @@
           <a:p>
             <a:fld id="{D57F1E4F-1CFF-5643-939E-217C01CDF565}" type="slidenum">
               <a:rPr lang="en-US" dirty="0"/>
-              <a:pPr/>
-              <a:t>‹#›</a:t>
             </a:fld>
             <a:endParaRPr lang="en-US" dirty="0"/>
           </a:p>
@@ -4915,6 +4923,7 @@
               <a:rPr lang="en-US"/>
               <a:t>Click to edit Master text styles</a:t>
             </a:r>
+            <a:endParaRPr lang="en-US"/>
           </a:p>
         </p:txBody>
       </p:sp>
@@ -4935,8 +4944,6 @@
           <a:p>
             <a:fld id="{B61BEF0D-F0BB-DE4B-95CE-6DB70DBA9567}" type="datetimeFigureOut">
               <a:rPr lang="en-US" dirty="0"/>
-              <a:pPr/>
-              <a:t>9/24/2023</a:t>
             </a:fld>
             <a:endParaRPr lang="en-US" dirty="0"/>
           </a:p>
@@ -4978,8 +4985,6 @@
           <a:p>
             <a:fld id="{D57F1E4F-1CFF-5643-939E-217C01CDF565}" type="slidenum">
               <a:rPr lang="en-US" dirty="0"/>
-              <a:pPr/>
-              <a:t>‹#›</a:t>
             </a:fld>
             <a:endParaRPr lang="en-US" dirty="0"/>
           </a:p>
@@ -5038,7 +5043,7 @@
             <p:nvPr/>
           </p:nvPicPr>
           <p:blipFill>
-            <a:blip r:embed="rId19">
+            <a:blip r:embed="rId18">
               <a:extLst>
                 <a:ext uri="{28A0092B-C50C-407E-A947-70E740481C1C}">
                   <a14:useLocalDpi xmlns:a14="http://schemas.microsoft.com/office/drawing/2010/main" val="0"/>
@@ -5102,7 +5107,7 @@
             <p:nvPr/>
           </p:nvPicPr>
           <p:blipFill rotWithShape="1">
-            <a:blip r:embed="rId20">
+            <a:blip r:embed="rId19">
               <a:extLst>
                 <a:ext uri="{28A0092B-C50C-407E-A947-70E740481C1C}">
                   <a14:useLocalDpi xmlns:a14="http://schemas.microsoft.com/office/drawing/2010/main" val="0"/>
@@ -5110,7 +5115,9 @@
               </a:extLst>
             </a:blip>
             <a:srcRect/>
-            <a:stretch/>
+            <a:stretch>
+              <a:fillRect/>
+            </a:stretch>
           </p:blipFill>
           <p:spPr>
             <a:xfrm>
@@ -5131,7 +5138,7 @@
             <p:nvPr/>
           </p:nvPicPr>
           <p:blipFill rotWithShape="1">
-            <a:blip r:embed="rId20">
+            <a:blip r:embed="rId19">
               <a:extLst>
                 <a:ext uri="{28A0092B-C50C-407E-A947-70E740481C1C}">
                   <a14:useLocalDpi xmlns:a14="http://schemas.microsoft.com/office/drawing/2010/main" val="0"/>
@@ -5139,7 +5146,9 @@
               </a:extLst>
             </a:blip>
             <a:srcRect/>
-            <a:stretch/>
+            <a:stretch>
+              <a:fillRect/>
+            </a:stretch>
           </p:blipFill>
           <p:spPr>
             <a:xfrm>
@@ -5216,6 +5225,7 @@
               <a:rPr lang="en-US"/>
               <a:t>Click to edit Master text styles</a:t>
             </a:r>
+            <a:endParaRPr lang="en-US"/>
           </a:p>
           <a:p>
             <a:pPr lvl="1"/>
@@ -5223,6 +5233,7 @@
               <a:rPr lang="en-US"/>
               <a:t>Second level</a:t>
             </a:r>
+            <a:endParaRPr lang="en-US"/>
           </a:p>
           <a:p>
             <a:pPr lvl="2"/>
@@ -5230,6 +5241,7 @@
               <a:rPr lang="en-US"/>
               <a:t>Third level</a:t>
             </a:r>
+            <a:endParaRPr lang="en-US"/>
           </a:p>
           <a:p>
             <a:pPr lvl="3"/>
@@ -5237,6 +5249,7 @@
               <a:rPr lang="en-US"/>
               <a:t>Fourth level</a:t>
             </a:r>
+            <a:endParaRPr lang="en-US"/>
           </a:p>
           <a:p>
             <a:pPr lvl="4"/>
@@ -5283,8 +5296,6 @@
           <a:p>
             <a:fld id="{B61BEF0D-F0BB-DE4B-95CE-6DB70DBA9567}" type="datetimeFigureOut">
               <a:rPr lang="en-US" dirty="0"/>
-              <a:pPr/>
-              <a:t>9/24/2023</a:t>
             </a:fld>
             <a:endParaRPr lang="en-US" dirty="0"/>
           </a:p>
@@ -5362,8 +5373,6 @@
           <a:p>
             <a:fld id="{D57F1E4F-1CFF-5643-939E-217C01CDF565}" type="slidenum">
               <a:rPr lang="en-US" dirty="0"/>
-              <a:pPr/>
-              <a:t>‹#›</a:t>
             </a:fld>
             <a:endParaRPr lang="en-US" dirty="0"/>
           </a:p>
@@ -5374,22 +5383,22 @@
   <p:clrMap bg1="lt1" tx1="dk1" bg2="lt2" tx2="dk2" accent1="accent1" accent2="accent2" accent3="accent3" accent4="accent4" accent5="accent5" accent6="accent6" hlink="hlink" folHlink="folHlink"/>
   <p:sldLayoutIdLst>
     <p:sldLayoutId id="2147483649" r:id="rId1"/>
-    <p:sldLayoutId id="2147483668" r:id="rId2"/>
+    <p:sldLayoutId id="2147483650" r:id="rId2"/>
     <p:sldLayoutId id="2147483651" r:id="rId3"/>
-    <p:sldLayoutId id="2147483669" r:id="rId4"/>
+    <p:sldLayoutId id="2147483652" r:id="rId4"/>
     <p:sldLayoutId id="2147483653" r:id="rId5"/>
     <p:sldLayoutId id="2147483654" r:id="rId6"/>
     <p:sldLayoutId id="2147483655" r:id="rId7"/>
     <p:sldLayoutId id="2147483656" r:id="rId8"/>
-    <p:sldLayoutId id="2147483660" r:id="rId9"/>
-    <p:sldLayoutId id="2147483657" r:id="rId10"/>
-    <p:sldLayoutId id="2147483663" r:id="rId11"/>
-    <p:sldLayoutId id="2147483664" r:id="rId12"/>
-    <p:sldLayoutId id="2147483665" r:id="rId13"/>
-    <p:sldLayoutId id="2147483666" r:id="rId14"/>
-    <p:sldLayoutId id="2147483667" r:id="rId15"/>
-    <p:sldLayoutId id="2147483658" r:id="rId16"/>
-    <p:sldLayoutId id="2147483659" r:id="rId17"/>
+    <p:sldLayoutId id="2147483657" r:id="rId9"/>
+    <p:sldLayoutId id="2147483658" r:id="rId10"/>
+    <p:sldLayoutId id="2147483659" r:id="rId11"/>
+    <p:sldLayoutId id="2147483660" r:id="rId12"/>
+    <p:sldLayoutId id="2147483661" r:id="rId13"/>
+    <p:sldLayoutId id="2147483662" r:id="rId14"/>
+    <p:sldLayoutId id="2147483663" r:id="rId15"/>
+    <p:sldLayoutId id="2147483664" r:id="rId16"/>
+    <p:sldLayoutId id="2147483665" r:id="rId17"/>
   </p:sldLayoutIdLst>
   <p:txStyles>
     <p:titleStyle>
@@ -5483,7 +5492,7 @@
           <a:schemeClr val="accent1"/>
         </a:buClr>
         <a:buSzPct val="115000"/>
-        <a:buFont typeface="Arial"/>
+        <a:buFont typeface="Arial" panose="020B0604020202020204"/>
         <a:buChar char="•"/>
         <a:defRPr sz="2400" kern="1200" cap="none">
           <a:solidFill>
@@ -5509,7 +5518,7 @@
           <a:schemeClr val="accent1"/>
         </a:buClr>
         <a:buSzPct val="115000"/>
-        <a:buFont typeface="Arial"/>
+        <a:buFont typeface="Arial" panose="020B0604020202020204"/>
         <a:buChar char="•"/>
         <a:defRPr sz="2000" kern="1200" cap="none">
           <a:solidFill>
@@ -5535,7 +5544,7 @@
           <a:schemeClr val="accent1"/>
         </a:buClr>
         <a:buSzPct val="115000"/>
-        <a:buFont typeface="Arial"/>
+        <a:buFont typeface="Arial" panose="020B0604020202020204"/>
         <a:buChar char="•"/>
         <a:defRPr sz="1800" kern="1200" cap="none">
           <a:solidFill>
@@ -5561,7 +5570,7 @@
           <a:schemeClr val="accent1"/>
         </a:buClr>
         <a:buSzPct val="115000"/>
-        <a:buFont typeface="Arial"/>
+        <a:buFont typeface="Arial" panose="020B0604020202020204"/>
         <a:buChar char="•"/>
         <a:defRPr sz="1600" kern="1200" cap="none">
           <a:solidFill>
@@ -5587,7 +5596,7 @@
           <a:schemeClr val="accent1"/>
         </a:buClr>
         <a:buSzPct val="115000"/>
-        <a:buFont typeface="Arial"/>
+        <a:buFont typeface="Arial" panose="020B0604020202020204"/>
         <a:buChar char="•"/>
         <a:defRPr sz="1400" kern="1200" cap="none">
           <a:solidFill>
@@ -5613,7 +5622,7 @@
           <a:schemeClr val="accent1"/>
         </a:buClr>
         <a:buSzPct val="115000"/>
-        <a:buFont typeface="Arial"/>
+        <a:buFont typeface="Arial" panose="020B0604020202020204"/>
         <a:buChar char="•"/>
         <a:defRPr sz="1400" kern="1200" cap="none">
           <a:solidFill>
@@ -5639,7 +5648,7 @@
           <a:schemeClr val="accent1"/>
         </a:buClr>
         <a:buSzPct val="115000"/>
-        <a:buFont typeface="Arial"/>
+        <a:buFont typeface="Arial" panose="020B0604020202020204"/>
         <a:buChar char="•"/>
         <a:defRPr sz="1400" kern="1200" cap="none">
           <a:solidFill>
@@ -5665,7 +5674,7 @@
           <a:schemeClr val="accent1"/>
         </a:buClr>
         <a:buSzPct val="115000"/>
-        <a:buFont typeface="Arial"/>
+        <a:buFont typeface="Arial" panose="020B0604020202020204"/>
         <a:buChar char="•"/>
         <a:defRPr sz="1400" kern="1200" cap="none">
           <a:solidFill>
@@ -5691,7 +5700,7 @@
           <a:schemeClr val="accent1"/>
         </a:buClr>
         <a:buSzPct val="115000"/>
-        <a:buFont typeface="Arial"/>
+        <a:buFont typeface="Arial" panose="020B0604020202020204"/>
         <a:buChar char="•"/>
         <a:defRPr sz="1400" kern="1200" cap="none">
           <a:solidFill>
@@ -5825,13 +5834,7 @@
       </p:grpSpPr>
       <p:sp>
         <p:nvSpPr>
-          <p:cNvPr id="2" name="Title 1">
-            <a:extLst>
-              <a:ext uri="{FF2B5EF4-FFF2-40B4-BE49-F238E27FC236}">
-                <a16:creationId xmlns:a16="http://schemas.microsoft.com/office/drawing/2014/main" id="{10CE6ED8-C1E3-0F62-BA86-7FCD70063F9F}"/>
-              </a:ext>
-            </a:extLst>
-          </p:cNvPr>
+          <p:cNvPr id="2" name="Title 1"/>
           <p:cNvSpPr>
             <a:spLocks noGrp="1"/>
           </p:cNvSpPr>
@@ -5855,18 +5858,20 @@
               </a:rPr>
               <a:t>Major Project</a:t>
             </a:r>
-          </a:p>
-        </p:txBody>
-      </p:sp>
-      <p:sp>
-        <p:nvSpPr>
-          <p:cNvPr id="3" name="Subtitle 2">
-            <a:extLst>
-              <a:ext uri="{FF2B5EF4-FFF2-40B4-BE49-F238E27FC236}">
-                <a16:creationId xmlns:a16="http://schemas.microsoft.com/office/drawing/2014/main" id="{3E7E79AE-4400-A80B-3D7C-8CF4EF5E3A1F}"/>
-              </a:ext>
-            </a:extLst>
-          </p:cNvPr>
+            <a:endParaRPr lang="en-IN" dirty="0">
+              <a:solidFill>
+                <a:schemeClr val="accent6">
+                  <a:lumMod val="50000"/>
+                </a:schemeClr>
+              </a:solidFill>
+              <a:latin typeface="Arial Black" panose="020B0A04020102020204" pitchFamily="34" charset="0"/>
+            </a:endParaRPr>
+          </a:p>
+        </p:txBody>
+      </p:sp>
+      <p:sp>
+        <p:nvSpPr>
+          <p:cNvPr id="3" name="Subtitle 2"/>
           <p:cNvSpPr>
             <a:spLocks noGrp="1"/>
           </p:cNvSpPr>
@@ -5891,19 +5896,6 @@
                 <a:latin typeface="Arial Rounded MT Bold" panose="020F0704030504030204" pitchFamily="34" charset="0"/>
               </a:rPr>
               <a:t>Health Care System</a:t>
-            </a:r>
-          </a:p>
-          <a:p>
-            <a:r>
-              <a:rPr lang="en-IN" sz="4800">
-                <a:solidFill>
-                  <a:schemeClr val="accent3">
-                    <a:lumMod val="75000"/>
-                  </a:schemeClr>
-                </a:solidFill>
-                <a:latin typeface="Arial Rounded MT Bold" panose="020F0704030504030204" pitchFamily="34" charset="0"/>
-              </a:rPr>
-              <a:t>(G-113)</a:t>
             </a:r>
             <a:endParaRPr lang="en-IN" sz="4800" dirty="0">
               <a:solidFill>
@@ -5914,14 +5906,30 @@
               <a:latin typeface="Arial Rounded MT Bold" panose="020F0704030504030204" pitchFamily="34" charset="0"/>
             </a:endParaRPr>
           </a:p>
+          <a:p>
+            <a:r>
+              <a:rPr lang="en-IN" sz="4800">
+                <a:solidFill>
+                  <a:schemeClr val="accent3">
+                    <a:lumMod val="75000"/>
+                  </a:schemeClr>
+                </a:solidFill>
+                <a:latin typeface="Arial Rounded MT Bold" panose="020F0704030504030204" pitchFamily="34" charset="0"/>
+              </a:rPr>
+              <a:t>(G-113)</a:t>
+            </a:r>
+            <a:endParaRPr lang="en-IN" sz="4800" dirty="0">
+              <a:solidFill>
+                <a:schemeClr val="accent3">
+                  <a:lumMod val="75000"/>
+                </a:schemeClr>
+              </a:solidFill>
+              <a:latin typeface="Arial Rounded MT Bold" panose="020F0704030504030204" pitchFamily="34" charset="0"/>
+            </a:endParaRPr>
+          </a:p>
         </p:txBody>
       </p:sp>
     </p:spTree>
-    <p:extLst>
-      <p:ext uri="{BB962C8B-B14F-4D97-AF65-F5344CB8AC3E}">
-        <p14:creationId xmlns:p14="http://schemas.microsoft.com/office/powerpoint/2010/main" val="2227400243"/>
-      </p:ext>
-    </p:extLst>
   </p:cSld>
   <p:clrMapOvr>
     <a:masterClrMapping/>
@@ -5948,13 +5956,7 @@
       </p:grpSpPr>
       <p:sp>
         <p:nvSpPr>
-          <p:cNvPr id="2" name="Title 1">
-            <a:extLst>
-              <a:ext uri="{FF2B5EF4-FFF2-40B4-BE49-F238E27FC236}">
-                <a16:creationId xmlns:a16="http://schemas.microsoft.com/office/drawing/2014/main" id="{296137D5-2756-9FBE-4EEE-1C54FD46D949}"/>
-              </a:ext>
-            </a:extLst>
-          </p:cNvPr>
+          <p:cNvPr id="2" name="Title 1"/>
           <p:cNvSpPr>
             <a:spLocks noGrp="1"/>
           </p:cNvSpPr>
@@ -5985,15 +5987,18 @@
               </a:rPr>
               <a:t>Thank You</a:t>
             </a:r>
+            <a:endParaRPr lang="en-IN" sz="8800" dirty="0">
+              <a:solidFill>
+                <a:schemeClr val="accent3">
+                  <a:lumMod val="75000"/>
+                </a:schemeClr>
+              </a:solidFill>
+              <a:latin typeface="Arial Black" panose="020B0A04020102020204" pitchFamily="34" charset="0"/>
+            </a:endParaRPr>
           </a:p>
         </p:txBody>
       </p:sp>
     </p:spTree>
-    <p:extLst>
-      <p:ext uri="{BB962C8B-B14F-4D97-AF65-F5344CB8AC3E}">
-        <p14:creationId xmlns:p14="http://schemas.microsoft.com/office/powerpoint/2010/main" val="3903295173"/>
-      </p:ext>
-    </p:extLst>
   </p:cSld>
   <p:clrMapOvr>
     <a:masterClrMapping/>
@@ -6020,13 +6025,7 @@
       </p:grpSpPr>
       <p:sp>
         <p:nvSpPr>
-          <p:cNvPr id="2" name="Title 1">
-            <a:extLst>
-              <a:ext uri="{FF2B5EF4-FFF2-40B4-BE49-F238E27FC236}">
-                <a16:creationId xmlns:a16="http://schemas.microsoft.com/office/drawing/2014/main" id="{533C94B4-BFEE-8AF3-3AA1-48B9C245584D}"/>
-              </a:ext>
-            </a:extLst>
-          </p:cNvPr>
+          <p:cNvPr id="2" name="Title 1"/>
           <p:cNvSpPr>
             <a:spLocks noGrp="1"/>
           </p:cNvSpPr>
@@ -6052,18 +6051,20 @@
               </a:rPr>
               <a:t>Team Members</a:t>
             </a:r>
-          </a:p>
-        </p:txBody>
-      </p:sp>
-      <p:sp>
-        <p:nvSpPr>
-          <p:cNvPr id="3" name="Content Placeholder 2">
-            <a:extLst>
-              <a:ext uri="{FF2B5EF4-FFF2-40B4-BE49-F238E27FC236}">
-                <a16:creationId xmlns:a16="http://schemas.microsoft.com/office/drawing/2014/main" id="{FB4B924C-B6D7-1022-F507-FA5AAFED6FBA}"/>
-              </a:ext>
-            </a:extLst>
-          </p:cNvPr>
+            <a:endParaRPr lang="en-IN" sz="5400" dirty="0">
+              <a:solidFill>
+                <a:schemeClr val="accent4">
+                  <a:lumMod val="75000"/>
+                </a:schemeClr>
+              </a:solidFill>
+              <a:latin typeface="Arial Rounded MT Bold" panose="020F0704030504030204" pitchFamily="34" charset="0"/>
+            </a:endParaRPr>
+          </a:p>
+        </p:txBody>
+      </p:sp>
+      <p:sp>
+        <p:nvSpPr>
+          <p:cNvPr id="3" name="Content Placeholder 2"/>
           <p:cNvSpPr>
             <a:spLocks noGrp="1"/>
           </p:cNvSpPr>
@@ -6085,7 +6086,8 @@
                     <a:lumMod val="75000"/>
                   </a:schemeClr>
                 </a:solidFill>
-                <a:latin typeface="Aptos Display" panose="020B0004020202020204" pitchFamily="34" charset="0"/>
+                <a:latin typeface="Times New Roman" panose="02020603050405020304" pitchFamily="18" charset="0"/>
+                <a:cs typeface="Times New Roman" panose="02020603050405020304" pitchFamily="18" charset="0"/>
               </a:rPr>
               <a:t>Anikate</a:t>
             </a:r>
@@ -6096,10 +6098,20 @@
                     <a:lumMod val="75000"/>
                   </a:schemeClr>
                 </a:solidFill>
-                <a:latin typeface="Aptos Display" panose="020B0004020202020204" pitchFamily="34" charset="0"/>
+                <a:latin typeface="Times New Roman" panose="02020603050405020304" pitchFamily="18" charset="0"/>
+                <a:cs typeface="Times New Roman" panose="02020603050405020304" pitchFamily="18" charset="0"/>
               </a:rPr>
               <a:t> Agrawal (201500088)</a:t>
             </a:r>
+            <a:endParaRPr lang="en-IN" sz="3200" dirty="0">
+              <a:solidFill>
+                <a:schemeClr val="accent3">
+                  <a:lumMod val="75000"/>
+                </a:schemeClr>
+              </a:solidFill>
+              <a:latin typeface="Times New Roman" panose="02020603050405020304" pitchFamily="18" charset="0"/>
+              <a:cs typeface="Times New Roman" panose="02020603050405020304" pitchFamily="18" charset="0"/>
+            </a:endParaRPr>
           </a:p>
           <a:p>
             <a:r>
@@ -6109,10 +6121,20 @@
                     <a:lumMod val="75000"/>
                   </a:schemeClr>
                 </a:solidFill>
-                <a:latin typeface="Aptos Display" panose="020B0004020202020204" pitchFamily="34" charset="0"/>
+                <a:latin typeface="Times New Roman" panose="02020603050405020304" pitchFamily="18" charset="0"/>
+                <a:cs typeface="Times New Roman" panose="02020603050405020304" pitchFamily="18" charset="0"/>
               </a:rPr>
               <a:t>Ishika Chaturvedi (201500306)</a:t>
             </a:r>
+            <a:endParaRPr lang="en-IN" sz="3200" dirty="0">
+              <a:solidFill>
+                <a:schemeClr val="accent3">
+                  <a:lumMod val="75000"/>
+                </a:schemeClr>
+              </a:solidFill>
+              <a:latin typeface="Times New Roman" panose="02020603050405020304" pitchFamily="18" charset="0"/>
+              <a:cs typeface="Times New Roman" panose="02020603050405020304" pitchFamily="18" charset="0"/>
+            </a:endParaRPr>
           </a:p>
           <a:p>
             <a:r>
@@ -6122,10 +6144,20 @@
                     <a:lumMod val="75000"/>
                   </a:schemeClr>
                 </a:solidFill>
-                <a:latin typeface="Aptos Display" panose="020B0004020202020204" pitchFamily="34" charset="0"/>
+                <a:latin typeface="Times New Roman" panose="02020603050405020304" pitchFamily="18" charset="0"/>
+                <a:cs typeface="Times New Roman" panose="02020603050405020304" pitchFamily="18" charset="0"/>
               </a:rPr>
               <a:t>Anuj Verma (201500122)</a:t>
             </a:r>
+            <a:endParaRPr lang="en-IN" sz="3200" dirty="0">
+              <a:solidFill>
+                <a:schemeClr val="accent3">
+                  <a:lumMod val="75000"/>
+                </a:schemeClr>
+              </a:solidFill>
+              <a:latin typeface="Times New Roman" panose="02020603050405020304" pitchFamily="18" charset="0"/>
+              <a:cs typeface="Times New Roman" panose="02020603050405020304" pitchFamily="18" charset="0"/>
+            </a:endParaRPr>
           </a:p>
           <a:p>
             <a:r>
@@ -6135,19 +6167,24 @@
                     <a:lumMod val="75000"/>
                   </a:schemeClr>
                 </a:solidFill>
-                <a:latin typeface="Aptos Display" panose="020B0004020202020204" pitchFamily="34" charset="0"/>
+                <a:latin typeface="Times New Roman" panose="02020603050405020304" pitchFamily="18" charset="0"/>
+                <a:cs typeface="Times New Roman" panose="02020603050405020304" pitchFamily="18" charset="0"/>
               </a:rPr>
               <a:t>Pop Singh (201500475)</a:t>
             </a:r>
+            <a:endParaRPr lang="en-IN" sz="3200" dirty="0">
+              <a:solidFill>
+                <a:schemeClr val="accent3">
+                  <a:lumMod val="75000"/>
+                </a:schemeClr>
+              </a:solidFill>
+              <a:latin typeface="Times New Roman" panose="02020603050405020304" pitchFamily="18" charset="0"/>
+              <a:cs typeface="Times New Roman" panose="02020603050405020304" pitchFamily="18" charset="0"/>
+            </a:endParaRPr>
           </a:p>
         </p:txBody>
       </p:sp>
     </p:spTree>
-    <p:extLst>
-      <p:ext uri="{BB962C8B-B14F-4D97-AF65-F5344CB8AC3E}">
-        <p14:creationId xmlns:p14="http://schemas.microsoft.com/office/powerpoint/2010/main" val="2379965569"/>
-      </p:ext>
-    </p:extLst>
   </p:cSld>
   <p:clrMapOvr>
     <a:masterClrMapping/>
@@ -6174,13 +6211,7 @@
       </p:grpSpPr>
       <p:sp>
         <p:nvSpPr>
-          <p:cNvPr id="2" name="Title 1">
-            <a:extLst>
-              <a:ext uri="{FF2B5EF4-FFF2-40B4-BE49-F238E27FC236}">
-                <a16:creationId xmlns:a16="http://schemas.microsoft.com/office/drawing/2014/main" id="{A498D74B-627B-FBCA-A563-1904C3C63BCB}"/>
-              </a:ext>
-            </a:extLst>
-          </p:cNvPr>
+          <p:cNvPr id="2" name="Title 1"/>
           <p:cNvSpPr>
             <a:spLocks noGrp="1"/>
           </p:cNvSpPr>
@@ -6219,13 +6250,7 @@
       </p:sp>
       <p:sp>
         <p:nvSpPr>
-          <p:cNvPr id="3" name="Content Placeholder 2">
-            <a:extLst>
-              <a:ext uri="{FF2B5EF4-FFF2-40B4-BE49-F238E27FC236}">
-                <a16:creationId xmlns:a16="http://schemas.microsoft.com/office/drawing/2014/main" id="{50D039E4-90E9-2FAD-0CD1-26F115563D59}"/>
-              </a:ext>
-            </a:extLst>
-          </p:cNvPr>
+          <p:cNvPr id="3" name="Content Placeholder 2"/>
           <p:cNvSpPr>
             <a:spLocks noGrp="1"/>
           </p:cNvSpPr>
@@ -6247,10 +6272,20 @@
                     <a:lumMod val="75000"/>
                   </a:schemeClr>
                 </a:solidFill>
-                <a:latin typeface="Aptos Narrow" panose="020B0004020202020204" pitchFamily="34" charset="0"/>
+                <a:latin typeface="Times New Roman" panose="02020603050405020304" pitchFamily="18" charset="0"/>
+                <a:cs typeface="Times New Roman" panose="02020603050405020304" pitchFamily="18" charset="0"/>
               </a:rPr>
               <a:t>Long lines at reception</a:t>
             </a:r>
+            <a:endParaRPr lang="en-US" sz="3200" dirty="0">
+              <a:solidFill>
+                <a:schemeClr val="accent3">
+                  <a:lumMod val="75000"/>
+                </a:schemeClr>
+              </a:solidFill>
+              <a:latin typeface="Times New Roman" panose="02020603050405020304" pitchFamily="18" charset="0"/>
+              <a:cs typeface="Times New Roman" panose="02020603050405020304" pitchFamily="18" charset="0"/>
+            </a:endParaRPr>
           </a:p>
           <a:p>
             <a:r>
@@ -6260,10 +6295,20 @@
                     <a:lumMod val="75000"/>
                   </a:schemeClr>
                 </a:solidFill>
-                <a:latin typeface="Aptos Narrow" panose="020B0004020202020204" pitchFamily="34" charset="0"/>
+                <a:latin typeface="Times New Roman" panose="02020603050405020304" pitchFamily="18" charset="0"/>
+                <a:cs typeface="Times New Roman" panose="02020603050405020304" pitchFamily="18" charset="0"/>
               </a:rPr>
               <a:t>Long waits for lab results</a:t>
             </a:r>
+            <a:endParaRPr lang="en-US" sz="3200" dirty="0">
+              <a:solidFill>
+                <a:schemeClr val="accent3">
+                  <a:lumMod val="75000"/>
+                </a:schemeClr>
+              </a:solidFill>
+              <a:latin typeface="Times New Roman" panose="02020603050405020304" pitchFamily="18" charset="0"/>
+              <a:cs typeface="Times New Roman" panose="02020603050405020304" pitchFamily="18" charset="0"/>
+            </a:endParaRPr>
           </a:p>
           <a:p>
             <a:r>
@@ -6273,10 +6318,20 @@
                     <a:lumMod val="75000"/>
                   </a:schemeClr>
                 </a:solidFill>
-                <a:latin typeface="Aptos Narrow" panose="020B0004020202020204" pitchFamily="34" charset="0"/>
+                <a:latin typeface="Times New Roman" panose="02020603050405020304" pitchFamily="18" charset="0"/>
+                <a:cs typeface="Times New Roman" panose="02020603050405020304" pitchFamily="18" charset="0"/>
               </a:rPr>
               <a:t>High levels of medical appointment fees</a:t>
             </a:r>
+            <a:endParaRPr lang="en-US" sz="3200" dirty="0">
+              <a:solidFill>
+                <a:schemeClr val="accent3">
+                  <a:lumMod val="75000"/>
+                </a:schemeClr>
+              </a:solidFill>
+              <a:latin typeface="Times New Roman" panose="02020603050405020304" pitchFamily="18" charset="0"/>
+              <a:cs typeface="Times New Roman" panose="02020603050405020304" pitchFamily="18" charset="0"/>
+            </a:endParaRPr>
           </a:p>
           <a:p>
             <a:r>
@@ -6286,7 +6341,8 @@
                     <a:lumMod val="75000"/>
                   </a:schemeClr>
                 </a:solidFill>
-                <a:latin typeface="Aptos Narrow" panose="020B0004020202020204" pitchFamily="34" charset="0"/>
+                <a:latin typeface="Times New Roman" panose="02020603050405020304" pitchFamily="18" charset="0"/>
+                <a:cs typeface="Times New Roman" panose="02020603050405020304" pitchFamily="18" charset="0"/>
               </a:rPr>
               <a:t>Expansion of epidemic and viral diseases due to hospital overcrowding</a:t>
             </a:r>
@@ -6296,17 +6352,13 @@
                   <a:lumMod val="75000"/>
                 </a:schemeClr>
               </a:solidFill>
-              <a:latin typeface="Aptos Narrow" panose="020B0004020202020204" pitchFamily="34" charset="0"/>
+              <a:latin typeface="Times New Roman" panose="02020603050405020304" pitchFamily="18" charset="0"/>
+              <a:cs typeface="Times New Roman" panose="02020603050405020304" pitchFamily="18" charset="0"/>
             </a:endParaRPr>
           </a:p>
         </p:txBody>
       </p:sp>
     </p:spTree>
-    <p:extLst>
-      <p:ext uri="{BB962C8B-B14F-4D97-AF65-F5344CB8AC3E}">
-        <p14:creationId xmlns:p14="http://schemas.microsoft.com/office/powerpoint/2010/main" val="3302338804"/>
-      </p:ext>
-    </p:extLst>
   </p:cSld>
   <p:clrMapOvr>
     <a:masterClrMapping/>
@@ -6333,13 +6385,7 @@
       </p:grpSpPr>
       <p:sp>
         <p:nvSpPr>
-          <p:cNvPr id="2" name="Title 1">
-            <a:extLst>
-              <a:ext uri="{FF2B5EF4-FFF2-40B4-BE49-F238E27FC236}">
-                <a16:creationId xmlns:a16="http://schemas.microsoft.com/office/drawing/2014/main" id="{D5C0640D-D7FC-3A35-D695-3C68713E850B}"/>
-              </a:ext>
-            </a:extLst>
-          </p:cNvPr>
+          <p:cNvPr id="2" name="Title 1"/>
           <p:cNvSpPr>
             <a:spLocks noGrp="1"/>
           </p:cNvSpPr>
@@ -6347,7 +6393,12 @@
             <p:ph type="title"/>
           </p:nvPr>
         </p:nvSpPr>
-        <p:spPr/>
+        <p:spPr>
+          <a:xfrm>
+            <a:off x="1295402" y="1010707"/>
+            <a:ext cx="9601196" cy="1303867"/>
+          </a:xfrm>
+        </p:spPr>
         <p:txBody>
           <a:bodyPr>
             <a:normAutofit/>
@@ -6378,13 +6429,7 @@
       </p:sp>
       <p:sp>
         <p:nvSpPr>
-          <p:cNvPr id="3" name="Content Placeholder 2">
-            <a:extLst>
-              <a:ext uri="{FF2B5EF4-FFF2-40B4-BE49-F238E27FC236}">
-                <a16:creationId xmlns:a16="http://schemas.microsoft.com/office/drawing/2014/main" id="{B5B4AFE0-F92F-EB30-9C6C-AF5B35B709C0}"/>
-              </a:ext>
-            </a:extLst>
-          </p:cNvPr>
+          <p:cNvPr id="3" name="Content Placeholder 2"/>
           <p:cNvSpPr>
             <a:spLocks noGrp="1"/>
           </p:cNvSpPr>
@@ -6392,7 +6437,12 @@
             <p:ph idx="1"/>
           </p:nvPr>
         </p:nvSpPr>
-        <p:spPr/>
+        <p:spPr>
+          <a:xfrm>
+            <a:off x="1295401" y="2585507"/>
+            <a:ext cx="9601196" cy="3318936"/>
+          </a:xfrm>
+        </p:spPr>
         <p:txBody>
           <a:bodyPr>
             <a:normAutofit/>
@@ -6408,8 +6458,16 @@
                 </a:solidFill>
                 <a:latin typeface="Arial Narrow" panose="020B0606020202030204" pitchFamily="34" charset="0"/>
               </a:rPr>
-              <a:t>Consumer education</a:t>
-            </a:r>
+              <a:t>Increase User Awareness</a:t>
+            </a:r>
+            <a:endParaRPr lang="en-IN" sz="3200" dirty="0">
+              <a:solidFill>
+                <a:schemeClr val="accent3">
+                  <a:lumMod val="75000"/>
+                </a:schemeClr>
+              </a:solidFill>
+              <a:latin typeface="Arial Narrow" panose="020B0606020202030204" pitchFamily="34" charset="0"/>
+            </a:endParaRPr>
           </a:p>
           <a:p>
             <a:r>
@@ -6421,8 +6479,16 @@
                 </a:solidFill>
                 <a:latin typeface="Arial Narrow" panose="020B0606020202030204" pitchFamily="34" charset="0"/>
               </a:rPr>
-              <a:t>Disease management</a:t>
-            </a:r>
+              <a:t>Disease Prediction</a:t>
+            </a:r>
+            <a:endParaRPr lang="en-IN" sz="3200" dirty="0">
+              <a:solidFill>
+                <a:schemeClr val="accent3">
+                  <a:lumMod val="75000"/>
+                </a:schemeClr>
+              </a:solidFill>
+              <a:latin typeface="Arial Narrow" panose="020B0606020202030204" pitchFamily="34" charset="0"/>
+            </a:endParaRPr>
           </a:p>
           <a:p>
             <a:r>
@@ -6434,8 +6500,16 @@
                 </a:solidFill>
                 <a:latin typeface="Arial Narrow" panose="020B0606020202030204" pitchFamily="34" charset="0"/>
               </a:rPr>
-              <a:t>Clinical decision support</a:t>
-            </a:r>
+              <a:t>Doctor-Patient communication</a:t>
+            </a:r>
+            <a:endParaRPr lang="en-IN" sz="3200" dirty="0">
+              <a:solidFill>
+                <a:schemeClr val="accent3">
+                  <a:lumMod val="75000"/>
+                </a:schemeClr>
+              </a:solidFill>
+              <a:latin typeface="Arial Narrow" panose="020B0606020202030204" pitchFamily="34" charset="0"/>
+            </a:endParaRPr>
           </a:p>
           <a:p>
             <a:r>
@@ -6447,30 +6521,20 @@
                 </a:solidFill>
                 <a:latin typeface="Arial Narrow" panose="020B0606020202030204" pitchFamily="34" charset="0"/>
               </a:rPr>
-              <a:t>Physician-consumer communication</a:t>
-            </a:r>
-          </a:p>
-          <a:p>
-            <a:r>
-              <a:rPr lang="en-IN" sz="3200" dirty="0">
-                <a:solidFill>
-                  <a:schemeClr val="accent3">
-                    <a:lumMod val="75000"/>
-                  </a:schemeClr>
-                </a:solidFill>
-                <a:latin typeface="Arial Narrow" panose="020B0606020202030204" pitchFamily="34" charset="0"/>
-              </a:rPr>
-              <a:t>Administrative efficiencies</a:t>
-            </a:r>
+              <a:t>Ease of Appointment</a:t>
+            </a:r>
+            <a:endParaRPr lang="en-IN" sz="3200" dirty="0">
+              <a:solidFill>
+                <a:schemeClr val="accent3">
+                  <a:lumMod val="75000"/>
+                </a:schemeClr>
+              </a:solidFill>
+              <a:latin typeface="Arial Narrow" panose="020B0606020202030204" pitchFamily="34" charset="0"/>
+            </a:endParaRPr>
           </a:p>
         </p:txBody>
       </p:sp>
     </p:spTree>
-    <p:extLst>
-      <p:ext uri="{BB962C8B-B14F-4D97-AF65-F5344CB8AC3E}">
-        <p14:creationId xmlns:p14="http://schemas.microsoft.com/office/powerpoint/2010/main" val="3106462168"/>
-      </p:ext>
-    </p:extLst>
   </p:cSld>
   <p:clrMapOvr>
     <a:masterClrMapping/>
@@ -6497,13 +6561,7 @@
       </p:grpSpPr>
       <p:sp>
         <p:nvSpPr>
-          <p:cNvPr id="2" name="Title 1">
-            <a:extLst>
-              <a:ext uri="{FF2B5EF4-FFF2-40B4-BE49-F238E27FC236}">
-                <a16:creationId xmlns:a16="http://schemas.microsoft.com/office/drawing/2014/main" id="{AAEAA078-2C9A-29A4-DF63-44F9CCE01B31}"/>
-              </a:ext>
-            </a:extLst>
-          </p:cNvPr>
+          <p:cNvPr id="2" name="Title 1"/>
           <p:cNvSpPr>
             <a:spLocks noGrp="1"/>
           </p:cNvSpPr>
@@ -6529,18 +6587,20 @@
               </a:rPr>
               <a:t>System Design</a:t>
             </a:r>
+            <a:endParaRPr lang="en-IN" sz="4800" dirty="0">
+              <a:solidFill>
+                <a:schemeClr val="accent4">
+                  <a:lumMod val="75000"/>
+                </a:schemeClr>
+              </a:solidFill>
+              <a:latin typeface="Arial Rounded MT Bold" panose="020F0704030504030204" pitchFamily="34" charset="0"/>
+            </a:endParaRPr>
           </a:p>
         </p:txBody>
       </p:sp>
       <p:pic>
         <p:nvPicPr>
-          <p:cNvPr id="13" name="Content Placeholder 12">
-            <a:extLst>
-              <a:ext uri="{FF2B5EF4-FFF2-40B4-BE49-F238E27FC236}">
-                <a16:creationId xmlns:a16="http://schemas.microsoft.com/office/drawing/2014/main" id="{97BF4C85-969D-C020-FEEB-067FA5408025}"/>
-              </a:ext>
-            </a:extLst>
-          </p:cNvPr>
+          <p:cNvPr id="13" name="Content Placeholder 12"/>
           <p:cNvPicPr>
             <a:picLocks noGrp="1" noChangeAspect="1"/>
           </p:cNvPicPr>
@@ -6549,7 +6609,7 @@
           </p:nvPr>
         </p:nvPicPr>
         <p:blipFill>
-          <a:blip r:embed="rId2"/>
+          <a:blip r:embed="rId1"/>
           <a:stretch>
             <a:fillRect/>
           </a:stretch>
@@ -6562,11 +6622,6 @@
         </p:spPr>
       </p:pic>
     </p:spTree>
-    <p:extLst>
-      <p:ext uri="{BB962C8B-B14F-4D97-AF65-F5344CB8AC3E}">
-        <p14:creationId xmlns:p14="http://schemas.microsoft.com/office/powerpoint/2010/main" val="2329244624"/>
-      </p:ext>
-    </p:extLst>
   </p:cSld>
   <p:clrMapOvr>
     <a:masterClrMapping/>
@@ -6593,13 +6648,7 @@
       </p:grpSpPr>
       <p:sp>
         <p:nvSpPr>
-          <p:cNvPr id="2" name="Title 1">
-            <a:extLst>
-              <a:ext uri="{FF2B5EF4-FFF2-40B4-BE49-F238E27FC236}">
-                <a16:creationId xmlns:a16="http://schemas.microsoft.com/office/drawing/2014/main" id="{61F7BAB3-3D6B-2B56-9B91-542406BAA1B8}"/>
-              </a:ext>
-            </a:extLst>
-          </p:cNvPr>
+          <p:cNvPr id="2" name="Title 1"/>
           <p:cNvSpPr>
             <a:spLocks noGrp="1"/>
           </p:cNvSpPr>
@@ -6616,18 +6665,13 @@
               <a:rPr lang="en-IN" dirty="0"/>
               <a:t>Machine Learning Algorithm</a:t>
             </a:r>
-          </a:p>
-        </p:txBody>
-      </p:sp>
-      <p:sp>
-        <p:nvSpPr>
-          <p:cNvPr id="3" name="Content Placeholder 2">
-            <a:extLst>
-              <a:ext uri="{FF2B5EF4-FFF2-40B4-BE49-F238E27FC236}">
-                <a16:creationId xmlns:a16="http://schemas.microsoft.com/office/drawing/2014/main" id="{C21CB550-2979-ABF1-40BA-08ABAAC71ACD}"/>
-              </a:ext>
-            </a:extLst>
-          </p:cNvPr>
+            <a:endParaRPr lang="en-IN" dirty="0"/>
+          </a:p>
+        </p:txBody>
+      </p:sp>
+      <p:sp>
+        <p:nvSpPr>
+          <p:cNvPr id="3" name="Content Placeholder 2"/>
           <p:cNvSpPr>
             <a:spLocks noGrp="1"/>
           </p:cNvSpPr>
@@ -6642,44 +6686,41 @@
           <a:p>
             <a:r>
               <a:rPr lang="en-IN" dirty="0"/>
-              <a:t>Decision Tree Classifier (For initial phase)</a:t>
-            </a:r>
-          </a:p>
-          <a:p>
-            <a:pPr marL="0" indent="0">
-              <a:buNone/>
-            </a:pPr>
-            <a:r>
-              <a:rPr lang="en-IN" u="sng" dirty="0"/>
-              <a:t>For Future implementation</a:t>
-            </a:r>
+              <a:t>Decision Tree Classifier </a:t>
+            </a:r>
+            <a:endParaRPr lang="en-IN" u="sng" dirty="0"/>
           </a:p>
           <a:p>
             <a:r>
               <a:rPr lang="en-IN" dirty="0"/>
               <a:t>KNN</a:t>
             </a:r>
+            <a:endParaRPr lang="en-IN" dirty="0"/>
           </a:p>
           <a:p>
             <a:r>
               <a:rPr lang="en-IN" dirty="0"/>
               <a:t>SVM</a:t>
             </a:r>
+            <a:endParaRPr lang="en-IN" dirty="0"/>
           </a:p>
           <a:p>
             <a:r>
               <a:rPr lang="en-IN" dirty="0"/>
               <a:t>Naïve Bayes </a:t>
             </a:r>
+            <a:endParaRPr lang="en-IN" dirty="0"/>
+          </a:p>
+          <a:p>
+            <a:r>
+              <a:rPr lang="en-IN" dirty="0"/>
+              <a:t>Logistic Regression</a:t>
+            </a:r>
+            <a:endParaRPr lang="en-IN" dirty="0"/>
           </a:p>
         </p:txBody>
       </p:sp>
     </p:spTree>
-    <p:extLst>
-      <p:ext uri="{BB962C8B-B14F-4D97-AF65-F5344CB8AC3E}">
-        <p14:creationId xmlns:p14="http://schemas.microsoft.com/office/powerpoint/2010/main" val="1045221599"/>
-      </p:ext>
-    </p:extLst>
   </p:cSld>
   <p:clrMapOvr>
     <a:masterClrMapping/>
@@ -6706,20 +6747,14 @@
       </p:grpSpPr>
       <p:pic>
         <p:nvPicPr>
-          <p:cNvPr id="3" name="Picture 2">
-            <a:extLst>
-              <a:ext uri="{FF2B5EF4-FFF2-40B4-BE49-F238E27FC236}">
-                <a16:creationId xmlns:a16="http://schemas.microsoft.com/office/drawing/2014/main" id="{DE9168D4-3C4D-7EF2-1D68-7C3FAF9FFF65}"/>
-              </a:ext>
-            </a:extLst>
-          </p:cNvPr>
+          <p:cNvPr id="3" name="Picture 2"/>
           <p:cNvPicPr>
             <a:picLocks noChangeAspect="1"/>
           </p:cNvPicPr>
           <p:nvPr/>
         </p:nvPicPr>
         <p:blipFill>
-          <a:blip r:embed="rId2"/>
+          <a:blip r:embed="rId1"/>
           <a:stretch>
             <a:fillRect/>
           </a:stretch>
@@ -6735,11 +6770,6 @@
         </p:spPr>
       </p:pic>
     </p:spTree>
-    <p:extLst>
-      <p:ext uri="{BB962C8B-B14F-4D97-AF65-F5344CB8AC3E}">
-        <p14:creationId xmlns:p14="http://schemas.microsoft.com/office/powerpoint/2010/main" val="4131094783"/>
-      </p:ext>
-    </p:extLst>
   </p:cSld>
   <p:clrMapOvr>
     <a:masterClrMapping/>
@@ -6766,20 +6796,14 @@
       </p:grpSpPr>
       <p:pic>
         <p:nvPicPr>
-          <p:cNvPr id="3" name="Picture 2">
-            <a:extLst>
-              <a:ext uri="{FF2B5EF4-FFF2-40B4-BE49-F238E27FC236}">
-                <a16:creationId xmlns:a16="http://schemas.microsoft.com/office/drawing/2014/main" id="{90DFA10B-DED1-43BA-B038-046D317A7B60}"/>
-              </a:ext>
-            </a:extLst>
-          </p:cNvPr>
+          <p:cNvPr id="3" name="Picture 2"/>
           <p:cNvPicPr>
             <a:picLocks noChangeAspect="1"/>
           </p:cNvPicPr>
           <p:nvPr/>
         </p:nvPicPr>
         <p:blipFill>
-          <a:blip r:embed="rId2"/>
+          <a:blip r:embed="rId1"/>
           <a:stretch>
             <a:fillRect/>
           </a:stretch>
@@ -6795,11 +6819,6 @@
         </p:spPr>
       </p:pic>
     </p:spTree>
-    <p:extLst>
-      <p:ext uri="{BB962C8B-B14F-4D97-AF65-F5344CB8AC3E}">
-        <p14:creationId xmlns:p14="http://schemas.microsoft.com/office/powerpoint/2010/main" val="2303862076"/>
-      </p:ext>
-    </p:extLst>
   </p:cSld>
   <p:clrMapOvr>
     <a:masterClrMapping/>
@@ -6826,13 +6845,7 @@
       </p:grpSpPr>
       <p:sp>
         <p:nvSpPr>
-          <p:cNvPr id="2" name="Title 1">
-            <a:extLst>
-              <a:ext uri="{FF2B5EF4-FFF2-40B4-BE49-F238E27FC236}">
-                <a16:creationId xmlns:a16="http://schemas.microsoft.com/office/drawing/2014/main" id="{A5107514-4017-375D-6C0C-F3F28626076F}"/>
-              </a:ext>
-            </a:extLst>
-          </p:cNvPr>
+          <p:cNvPr id="2" name="Title 1"/>
           <p:cNvSpPr>
             <a:spLocks noGrp="1"/>
           </p:cNvSpPr>
@@ -6849,18 +6862,13 @@
               <a:rPr lang="en-IN" dirty="0"/>
               <a:t>Reference Research Journals</a:t>
             </a:r>
-          </a:p>
-        </p:txBody>
-      </p:sp>
-      <p:sp>
-        <p:nvSpPr>
-          <p:cNvPr id="3" name="Content Placeholder 2">
-            <a:extLst>
-              <a:ext uri="{FF2B5EF4-FFF2-40B4-BE49-F238E27FC236}">
-                <a16:creationId xmlns:a16="http://schemas.microsoft.com/office/drawing/2014/main" id="{CFC76AD2-4092-FA25-7AFA-EDD6B3AC9FBF}"/>
-              </a:ext>
-            </a:extLst>
-          </p:cNvPr>
+            <a:endParaRPr lang="en-IN" dirty="0"/>
+          </a:p>
+        </p:txBody>
+      </p:sp>
+      <p:sp>
+        <p:nvSpPr>
+          <p:cNvPr id="3" name="Content Placeholder 2"/>
           <p:cNvSpPr>
             <a:spLocks noGrp="1"/>
           </p:cNvSpPr>
@@ -6888,7 +6896,7 @@
               <a:rPr lang="en-IN" dirty="0">
                 <a:latin typeface="Times New Roman" panose="02020603050405020304" pitchFamily="18" charset="0"/>
                 <a:cs typeface="Times New Roman" panose="02020603050405020304" pitchFamily="18" charset="0"/>
-                <a:hlinkClick r:id="rId2"/>
+                <a:hlinkClick r:id="rId1"/>
               </a:rPr>
               <a:t>https://ieeexplore.ieee.org/document/9154130</a:t>
             </a:r>
@@ -6903,6 +6911,14 @@
               </a:rPr>
               <a:t>)</a:t>
             </a:r>
+            <a:endParaRPr lang="en-US" i="0" dirty="0">
+              <a:solidFill>
+                <a:srgbClr val="333333"/>
+              </a:solidFill>
+              <a:effectLst/>
+              <a:latin typeface="Times New Roman" panose="02020603050405020304" pitchFamily="18" charset="0"/>
+              <a:cs typeface="Times New Roman" panose="02020603050405020304" pitchFamily="18" charset="0"/>
+            </a:endParaRPr>
           </a:p>
           <a:p>
             <a:r>
@@ -6911,7 +6927,7 @@
             </a:r>
             <a:r>
               <a:rPr lang="en-US" dirty="0">
-                <a:hlinkClick r:id="rId3"/>
+                <a:hlinkClick r:id="rId2"/>
               </a:rPr>
               <a:t>https://www.ije.ir/article_169090_5525e34b7bd485c6f9f9cc710f62522f.pdf</a:t>
             </a:r>
@@ -6919,6 +6935,7 @@
               <a:rPr lang="en-US" dirty="0"/>
               <a:t>)</a:t>
             </a:r>
+            <a:endParaRPr lang="en-US" dirty="0"/>
           </a:p>
           <a:p>
             <a:r>
@@ -6940,7 +6957,7 @@
                 <a:effectLst/>
                 <a:latin typeface="Times New Roman" panose="02020603050405020304" pitchFamily="18" charset="0"/>
                 <a:cs typeface="Times New Roman" panose="02020603050405020304" pitchFamily="18" charset="0"/>
-                <a:hlinkClick r:id="rId4"/>
+                <a:hlinkClick r:id="rId3"/>
               </a:rPr>
               <a:t>https://papers.ssrn.com/sol3/papers.cfm?abstract_id=3661426</a:t>
             </a:r>
@@ -6955,6 +6972,14 @@
               </a:rPr>
               <a:t>)</a:t>
             </a:r>
+            <a:endParaRPr lang="en-US" b="0" i="0" dirty="0">
+              <a:solidFill>
+                <a:srgbClr val="222222"/>
+              </a:solidFill>
+              <a:effectLst/>
+              <a:latin typeface="Times New Roman" panose="02020603050405020304" pitchFamily="18" charset="0"/>
+              <a:cs typeface="Times New Roman" panose="02020603050405020304" pitchFamily="18" charset="0"/>
+            </a:endParaRPr>
           </a:p>
           <a:p>
             <a:endParaRPr lang="en-US" b="1" i="0" dirty="0">
@@ -6968,7 +6993,7 @@
           </a:p>
           <a:p>
             <a:endParaRPr lang="en-IN" dirty="0">
-              <a:hlinkClick r:id="rId2"/>
+              <a:hlinkClick r:id="rId1"/>
             </a:endParaRPr>
           </a:p>
           <a:p>
@@ -6977,11 +7002,6 @@
         </p:txBody>
       </p:sp>
     </p:spTree>
-    <p:extLst>
-      <p:ext uri="{BB962C8B-B14F-4D97-AF65-F5344CB8AC3E}">
-        <p14:creationId xmlns:p14="http://schemas.microsoft.com/office/powerpoint/2010/main" val="2911328878"/>
-      </p:ext>
-    </p:extLst>
   </p:cSld>
   <p:clrMapOvr>
     <a:masterClrMapping/>
@@ -7032,7 +7052,7 @@
     </a:clrScheme>
     <a:fontScheme name="Organic">
       <a:majorFont>
-        <a:latin typeface="Garamond" panose="02020404030301010803"/>
+        <a:latin typeface="Garamond"/>
         <a:ea typeface=""/>
         <a:cs typeface=""/>
         <a:font script="Jpan" typeface="ＭＳ Ｐゴシック"/>
@@ -7067,7 +7087,7 @@
         <a:font script="Geor" typeface="Sylfaen"/>
       </a:majorFont>
       <a:minorFont>
-        <a:latin typeface="Garamond" panose="02020404030301010803"/>
+        <a:latin typeface="Garamond"/>
         <a:ea typeface=""/>
         <a:cs typeface=""/>
         <a:font script="Jpan" typeface="ＭＳ Ｐ明朝"/>
@@ -7207,16 +7227,16 @@
         </a:gradFill>
         <a:blipFill>
           <a:blip xmlns:r="http://schemas.openxmlformats.org/officeDocument/2006/relationships" r:embed="rId2"/>
-          <a:stretch/>
+          <a:stretch>
+            <a:fillRect/>
+          </a:stretch>
         </a:blipFill>
       </a:bgFillStyleLst>
     </a:fmtScheme>
   </a:themeElements>
-  <a:objectDefaults/>
-  <a:extraClrSchemeLst/>
   <a:extLst>
     <a:ext uri="{05A4C25C-085E-4340-85A3-A5531E510DB2}">
-      <thm15:themeFamily xmlns:thm15="http://schemas.microsoft.com/office/thememl/2012/main" name="Organic" id="{28CDC826-8792-45C0-861B-85EB3ADEDA33}" vid="{7DAC20F1-423D-49E2-BD0B-50532748BAD0}"/>
+      <thm15:themeFamily xmlns:thm15="http://schemas.microsoft.com/office/thememl/2012/main" name="Office Theme" id="{62F939B6-93AF-4DB8-9C6B-D6C7DFDC589F}" vid="{4A3C46E8-61CC-4603-A589-7422A47A8E4A}"/>
     </a:ext>
   </a:extLst>
 </a:theme>
